--- a/Introduction_to_Python_for_Data_Analytics.pptx
+++ b/Introduction_to_Python_for_Data_Analytics.pptx
@@ -6,7 +6,7 @@
     <p:sldMasterId id="2147483668" r:id="rId2"/>
   </p:sldMasterIdLst>
   <p:notesMasterIdLst>
-    <p:notesMasterId r:id="rId22"/>
+    <p:notesMasterId r:id="rId27"/>
   </p:notesMasterIdLst>
   <p:sldIdLst>
     <p:sldId id="265" r:id="rId3"/>
@@ -28,6 +28,11 @@
     <p:sldId id="320" r:id="rId19"/>
     <p:sldId id="318" r:id="rId20"/>
     <p:sldId id="309" r:id="rId21"/>
+    <p:sldId id="321" r:id="rId22"/>
+    <p:sldId id="322" r:id="rId23"/>
+    <p:sldId id="323" r:id="rId24"/>
+    <p:sldId id="324" r:id="rId25"/>
+    <p:sldId id="326" r:id="rId26"/>
   </p:sldIdLst>
   <p:sldSz cx="12192000" cy="6858000"/>
   <p:notesSz cx="6858000" cy="9144000"/>
@@ -150,6 +155,11 @@
             <p14:sldId id="320"/>
             <p14:sldId id="318"/>
             <p14:sldId id="309"/>
+            <p14:sldId id="321"/>
+            <p14:sldId id="322"/>
+            <p14:sldId id="323"/>
+            <p14:sldId id="324"/>
+            <p14:sldId id="326"/>
           </p14:sldIdLst>
         </p14:section>
       </p14:sectionLst>
@@ -243,7 +253,7 @@
           <a:p>
             <a:fld id="{2D83F089-0B23-4DFA-90CE-7EAA6BCB84F3}" type="datetimeFigureOut">
               <a:rPr lang="en-GB" smtClean="0"/>
-              <a:t>20/11/2024</a:t>
+              <a:t>22/11/2024</a:t>
             </a:fld>
             <a:endParaRPr lang="en-GB"/>
           </a:p>
@@ -2604,7 +2614,7 @@
           <a:ln/>
           <a:extLst>
             <a:ext uri="{91240B29-F687-4f45-9708-019B960494DF}">
-              <a14:hiddenLine xmlns="" xmlns:a14="http://schemas.microsoft.com/office/drawing/2010/main" w="9525">
+              <a14:hiddenLine xmlns:a14="http://schemas.microsoft.com/office/drawing/2010/main" xmlns="" w="9525">
                 <a:solidFill>
                   <a:srgbClr val="000000"/>
                 </a:solidFill>
@@ -4436,7 +4446,7 @@
           <a:ln/>
           <a:extLst>
             <a:ext uri="{91240B29-F687-4f45-9708-019B960494DF}">
-              <a14:hiddenLine xmlns="" xmlns:a14="http://schemas.microsoft.com/office/drawing/2010/main" w="9525">
+              <a14:hiddenLine xmlns:a14="http://schemas.microsoft.com/office/drawing/2010/main" xmlns="" w="9525">
                 <a:solidFill>
                   <a:srgbClr val="000000"/>
                 </a:solidFill>
@@ -4707,7 +4717,7 @@
           <a:ln/>
           <a:extLst>
             <a:ext uri="{91240B29-F687-4f45-9708-019B960494DF}">
-              <a14:hiddenLine xmlns="" xmlns:a14="http://schemas.microsoft.com/office/drawing/2010/main" w="9525">
+              <a14:hiddenLine xmlns:a14="http://schemas.microsoft.com/office/drawing/2010/main" xmlns="" w="9525">
                 <a:solidFill>
                   <a:srgbClr val="000000"/>
                 </a:solidFill>
@@ -8035,7 +8045,7 @@
           <a:ln/>
           <a:extLst>
             <a:ext uri="{91240B29-F687-4f45-9708-019B960494DF}">
-              <a14:hiddenLine xmlns="" xmlns:a14="http://schemas.microsoft.com/office/drawing/2010/main" w="9525">
+              <a14:hiddenLine xmlns:a14="http://schemas.microsoft.com/office/drawing/2010/main" xmlns="" w="9525">
                 <a:solidFill>
                   <a:srgbClr val="000000"/>
                 </a:solidFill>
@@ -9350,7 +9360,7 @@
           <a:ln/>
           <a:extLst>
             <a:ext uri="{91240B29-F687-4f45-9708-019B960494DF}">
-              <a14:hiddenLine xmlns="" xmlns:a14="http://schemas.microsoft.com/office/drawing/2010/main" w="9525">
+              <a14:hiddenLine xmlns:a14="http://schemas.microsoft.com/office/drawing/2010/main" xmlns="" w="9525">
                 <a:solidFill>
                   <a:srgbClr val="000000"/>
                 </a:solidFill>
@@ -9701,7 +9711,7 @@
           <a:ln/>
           <a:extLst>
             <a:ext uri="{91240B29-F687-4f45-9708-019B960494DF}">
-              <a14:hiddenLine xmlns="" xmlns:a14="http://schemas.microsoft.com/office/drawing/2010/main" w="9525">
+              <a14:hiddenLine xmlns:a14="http://schemas.microsoft.com/office/drawing/2010/main" xmlns="" w="9525">
                 <a:solidFill>
                   <a:srgbClr val="000000"/>
                 </a:solidFill>
@@ -10174,7 +10184,7 @@
           <a:ln/>
           <a:extLst>
             <a:ext uri="{91240B29-F687-4f45-9708-019B960494DF}">
-              <a14:hiddenLine xmlns="" xmlns:a14="http://schemas.microsoft.com/office/drawing/2010/main" w="9525">
+              <a14:hiddenLine xmlns:a14="http://schemas.microsoft.com/office/drawing/2010/main" xmlns="" w="9525">
                 <a:solidFill>
                   <a:srgbClr val="000000"/>
                 </a:solidFill>
@@ -16456,6 +16466,719 @@
     <p:extLst>
       <p:ext uri="{BB962C8B-B14F-4D97-AF65-F5344CB8AC3E}">
         <p14:creationId xmlns:p14="http://schemas.microsoft.com/office/powerpoint/2010/main" val="687413657"/>
+      </p:ext>
+    </p:extLst>
+  </p:cSld>
+  <p:clrMapOvr>
+    <a:masterClrMapping/>
+  </p:clrMapOvr>
+</p:sld>
+</file>
+
+<file path=ppt/slides/slide20.xml><?xml version="1.0" encoding="utf-8"?>
+<p:sld xmlns:a="http://schemas.openxmlformats.org/drawingml/2006/main" xmlns:r="http://schemas.openxmlformats.org/officeDocument/2006/relationships" xmlns:p="http://schemas.openxmlformats.org/presentationml/2006/main">
+  <p:cSld>
+    <p:spTree>
+      <p:nvGrpSpPr>
+        <p:cNvPr id="1" name="">
+          <a:extLst>
+            <a:ext uri="{FF2B5EF4-FFF2-40B4-BE49-F238E27FC236}">
+              <a16:creationId xmlns:a16="http://schemas.microsoft.com/office/drawing/2014/main" id="{1C8E4A57-3E4B-2F92-7039-976E5391DF61}"/>
+            </a:ext>
+          </a:extLst>
+        </p:cNvPr>
+        <p:cNvGrpSpPr/>
+        <p:nvPr/>
+      </p:nvGrpSpPr>
+      <p:grpSpPr>
+        <a:xfrm>
+          <a:off x="0" y="0"/>
+          <a:ext cx="0" cy="0"/>
+          <a:chOff x="0" y="0"/>
+          <a:chExt cx="0" cy="0"/>
+        </a:xfrm>
+      </p:grpSpPr>
+      <p:sp>
+        <p:nvSpPr>
+          <p:cNvPr id="2" name="Title 1">
+            <a:extLst>
+              <a:ext uri="{FF2B5EF4-FFF2-40B4-BE49-F238E27FC236}">
+                <a16:creationId xmlns:a16="http://schemas.microsoft.com/office/drawing/2014/main" id="{B50F7C52-08C6-B77B-7F9C-5E3B8F7EDB33}"/>
+              </a:ext>
+            </a:extLst>
+          </p:cNvPr>
+          <p:cNvSpPr>
+            <a:spLocks noGrp="1"/>
+          </p:cNvSpPr>
+          <p:nvPr>
+            <p:ph type="title"/>
+          </p:nvPr>
+        </p:nvSpPr>
+        <p:spPr/>
+        <p:txBody>
+          <a:bodyPr/>
+          <a:lstStyle/>
+          <a:p>
+            <a:r>
+              <a:rPr lang="de-DE" dirty="0" err="1"/>
+              <a:t>What</a:t>
+            </a:r>
+            <a:r>
+              <a:rPr lang="de-DE" dirty="0"/>
+              <a:t> </a:t>
+            </a:r>
+            <a:r>
+              <a:rPr lang="de-DE" dirty="0" err="1"/>
+              <a:t>else</a:t>
+            </a:r>
+            <a:r>
+              <a:rPr lang="de-DE" dirty="0"/>
+              <a:t> </a:t>
+            </a:r>
+            <a:r>
+              <a:rPr lang="de-DE" dirty="0" err="1"/>
+              <a:t>can</a:t>
+            </a:r>
+            <a:r>
+              <a:rPr lang="de-DE" dirty="0"/>
+              <a:t> </a:t>
+            </a:r>
+            <a:r>
+              <a:rPr lang="de-DE" dirty="0" err="1"/>
+              <a:t>you</a:t>
+            </a:r>
+            <a:r>
+              <a:rPr lang="de-DE" dirty="0"/>
+              <a:t> do?</a:t>
+            </a:r>
+            <a:endParaRPr lang="en-GB" dirty="0"/>
+          </a:p>
+        </p:txBody>
+      </p:sp>
+      <p:sp>
+        <p:nvSpPr>
+          <p:cNvPr id="3" name="Text Placeholder 2">
+            <a:extLst>
+              <a:ext uri="{FF2B5EF4-FFF2-40B4-BE49-F238E27FC236}">
+                <a16:creationId xmlns:a16="http://schemas.microsoft.com/office/drawing/2014/main" id="{A22F82E9-972B-B5B3-3D69-870E14DC99CE}"/>
+              </a:ext>
+            </a:extLst>
+          </p:cNvPr>
+          <p:cNvSpPr>
+            <a:spLocks noGrp="1"/>
+          </p:cNvSpPr>
+          <p:nvPr>
+            <p:ph type="body" idx="1"/>
+          </p:nvPr>
+        </p:nvSpPr>
+        <p:spPr/>
+        <p:txBody>
+          <a:bodyPr/>
+          <a:lstStyle/>
+          <a:p>
+            <a:r>
+              <a:rPr lang="de-DE" dirty="0"/>
+              <a:t>Chapter 2</a:t>
+            </a:r>
+            <a:endParaRPr lang="en-GB" dirty="0"/>
+          </a:p>
+        </p:txBody>
+      </p:sp>
+      <p:sp>
+        <p:nvSpPr>
+          <p:cNvPr id="4" name="Footer Placeholder 3">
+            <a:extLst>
+              <a:ext uri="{FF2B5EF4-FFF2-40B4-BE49-F238E27FC236}">
+                <a16:creationId xmlns:a16="http://schemas.microsoft.com/office/drawing/2014/main" id="{3A7C4213-2A21-E286-501B-4FDCE84985D5}"/>
+              </a:ext>
+            </a:extLst>
+          </p:cNvPr>
+          <p:cNvSpPr>
+            <a:spLocks noGrp="1"/>
+          </p:cNvSpPr>
+          <p:nvPr>
+            <p:ph type="ftr" sz="quarter" idx="11"/>
+          </p:nvPr>
+        </p:nvSpPr>
+        <p:spPr/>
+        <p:txBody>
+          <a:bodyPr/>
+          <a:lstStyle/>
+          <a:p>
+            <a:r>
+              <a:rPr lang="en-US"/>
+              <a:t>Elliot Kovanda – Data Scientist</a:t>
+            </a:r>
+            <a:endParaRPr lang="en-US" dirty="0"/>
+          </a:p>
+        </p:txBody>
+      </p:sp>
+    </p:spTree>
+    <p:extLst>
+      <p:ext uri="{BB962C8B-B14F-4D97-AF65-F5344CB8AC3E}">
+        <p14:creationId xmlns:p14="http://schemas.microsoft.com/office/powerpoint/2010/main" val="1673940398"/>
+      </p:ext>
+    </p:extLst>
+  </p:cSld>
+  <p:clrMapOvr>
+    <a:masterClrMapping/>
+  </p:clrMapOvr>
+</p:sld>
+</file>
+
+<file path=ppt/slides/slide21.xml><?xml version="1.0" encoding="utf-8"?>
+<p:sld xmlns:a="http://schemas.openxmlformats.org/drawingml/2006/main" xmlns:r="http://schemas.openxmlformats.org/officeDocument/2006/relationships" xmlns:p="http://schemas.openxmlformats.org/presentationml/2006/main">
+  <p:cSld>
+    <p:spTree>
+      <p:nvGrpSpPr>
+        <p:cNvPr id="1" name=""/>
+        <p:cNvGrpSpPr/>
+        <p:nvPr/>
+      </p:nvGrpSpPr>
+      <p:grpSpPr>
+        <a:xfrm>
+          <a:off x="0" y="0"/>
+          <a:ext cx="0" cy="0"/>
+          <a:chOff x="0" y="0"/>
+          <a:chExt cx="0" cy="0"/>
+        </a:xfrm>
+      </p:grpSpPr>
+      <p:sp>
+        <p:nvSpPr>
+          <p:cNvPr id="2" name="Title 1">
+            <a:extLst>
+              <a:ext uri="{FF2B5EF4-FFF2-40B4-BE49-F238E27FC236}">
+                <a16:creationId xmlns:a16="http://schemas.microsoft.com/office/drawing/2014/main" id="{ADF006CE-1D56-8852-1B77-61ECD228C387}"/>
+              </a:ext>
+            </a:extLst>
+          </p:cNvPr>
+          <p:cNvSpPr>
+            <a:spLocks noGrp="1"/>
+          </p:cNvSpPr>
+          <p:nvPr>
+            <p:ph type="title"/>
+          </p:nvPr>
+        </p:nvSpPr>
+        <p:spPr/>
+        <p:txBody>
+          <a:bodyPr/>
+          <a:lstStyle/>
+          <a:p>
+            <a:endParaRPr lang="de-DE"/>
+          </a:p>
+        </p:txBody>
+      </p:sp>
+      <p:sp>
+        <p:nvSpPr>
+          <p:cNvPr id="3" name="Footer Placeholder 2">
+            <a:extLst>
+              <a:ext uri="{FF2B5EF4-FFF2-40B4-BE49-F238E27FC236}">
+                <a16:creationId xmlns:a16="http://schemas.microsoft.com/office/drawing/2014/main" id="{52167071-4298-24D2-8FFB-C256D7F286B2}"/>
+              </a:ext>
+            </a:extLst>
+          </p:cNvPr>
+          <p:cNvSpPr>
+            <a:spLocks noGrp="1"/>
+          </p:cNvSpPr>
+          <p:nvPr>
+            <p:ph type="ftr" sz="quarter" idx="11"/>
+          </p:nvPr>
+        </p:nvSpPr>
+        <p:spPr/>
+        <p:txBody>
+          <a:bodyPr/>
+          <a:lstStyle/>
+          <a:p>
+            <a:r>
+              <a:rPr lang="en-US"/>
+              <a:t>Elliot Kovanda – Data Scientist</a:t>
+            </a:r>
+            <a:endParaRPr lang="en-US" dirty="0"/>
+          </a:p>
+        </p:txBody>
+      </p:sp>
+      <p:sp>
+        <p:nvSpPr>
+          <p:cNvPr id="4" name="Text Placeholder 3">
+            <a:extLst>
+              <a:ext uri="{FF2B5EF4-FFF2-40B4-BE49-F238E27FC236}">
+                <a16:creationId xmlns:a16="http://schemas.microsoft.com/office/drawing/2014/main" id="{198DB10C-3046-15F0-77A0-56BBDFBC16F5}"/>
+              </a:ext>
+            </a:extLst>
+          </p:cNvPr>
+          <p:cNvSpPr>
+            <a:spLocks noGrp="1"/>
+          </p:cNvSpPr>
+          <p:nvPr>
+            <p:ph type="body" sz="quarter" idx="12"/>
+          </p:nvPr>
+        </p:nvSpPr>
+        <p:spPr/>
+        <p:txBody>
+          <a:bodyPr/>
+          <a:lstStyle/>
+          <a:p>
+            <a:endParaRPr lang="de-DE" dirty="0"/>
+          </a:p>
+        </p:txBody>
+      </p:sp>
+      <p:pic>
+        <p:nvPicPr>
+          <p:cNvPr id="6" name="Picture 5">
+            <a:extLst>
+              <a:ext uri="{FF2B5EF4-FFF2-40B4-BE49-F238E27FC236}">
+                <a16:creationId xmlns:a16="http://schemas.microsoft.com/office/drawing/2014/main" id="{89D8A060-83C5-5385-B6A9-9CF79C5FF4B3}"/>
+              </a:ext>
+            </a:extLst>
+          </p:cNvPr>
+          <p:cNvPicPr>
+            <a:picLocks noChangeAspect="1"/>
+          </p:cNvPicPr>
+          <p:nvPr/>
+        </p:nvPicPr>
+        <p:blipFill>
+          <a:blip r:embed="rId2"/>
+          <a:srcRect l="-2209" t="19763" r="2209" b="53344"/>
+          <a:stretch/>
+        </p:blipFill>
+        <p:spPr>
+          <a:xfrm>
+            <a:off x="1287063" y="476266"/>
+            <a:ext cx="9617873" cy="5747658"/>
+          </a:xfrm>
+          <a:prstGeom prst="rect">
+            <a:avLst/>
+          </a:prstGeom>
+        </p:spPr>
+      </p:pic>
+    </p:spTree>
+    <p:extLst>
+      <p:ext uri="{BB962C8B-B14F-4D97-AF65-F5344CB8AC3E}">
+        <p14:creationId xmlns:p14="http://schemas.microsoft.com/office/powerpoint/2010/main" val="933742896"/>
+      </p:ext>
+    </p:extLst>
+  </p:cSld>
+  <p:clrMapOvr>
+    <a:masterClrMapping/>
+  </p:clrMapOvr>
+</p:sld>
+</file>
+
+<file path=ppt/slides/slide22.xml><?xml version="1.0" encoding="utf-8"?>
+<p:sld xmlns:a="http://schemas.openxmlformats.org/drawingml/2006/main" xmlns:r="http://schemas.openxmlformats.org/officeDocument/2006/relationships" xmlns:p="http://schemas.openxmlformats.org/presentationml/2006/main">
+  <p:cSld>
+    <p:spTree>
+      <p:nvGrpSpPr>
+        <p:cNvPr id="1" name="">
+          <a:extLst>
+            <a:ext uri="{FF2B5EF4-FFF2-40B4-BE49-F238E27FC236}">
+              <a16:creationId xmlns:a16="http://schemas.microsoft.com/office/drawing/2014/main" id="{5C520BDD-BDDF-462B-2758-5314B59B33D7}"/>
+            </a:ext>
+          </a:extLst>
+        </p:cNvPr>
+        <p:cNvGrpSpPr/>
+        <p:nvPr/>
+      </p:nvGrpSpPr>
+      <p:grpSpPr>
+        <a:xfrm>
+          <a:off x="0" y="0"/>
+          <a:ext cx="0" cy="0"/>
+          <a:chOff x="0" y="0"/>
+          <a:chExt cx="0" cy="0"/>
+        </a:xfrm>
+      </p:grpSpPr>
+      <p:sp>
+        <p:nvSpPr>
+          <p:cNvPr id="2" name="Title 1">
+            <a:extLst>
+              <a:ext uri="{FF2B5EF4-FFF2-40B4-BE49-F238E27FC236}">
+                <a16:creationId xmlns:a16="http://schemas.microsoft.com/office/drawing/2014/main" id="{123014F7-D207-4575-30EA-509489F5F313}"/>
+              </a:ext>
+            </a:extLst>
+          </p:cNvPr>
+          <p:cNvSpPr>
+            <a:spLocks noGrp="1"/>
+          </p:cNvSpPr>
+          <p:nvPr>
+            <p:ph type="title"/>
+          </p:nvPr>
+        </p:nvSpPr>
+        <p:spPr/>
+        <p:txBody>
+          <a:bodyPr/>
+          <a:lstStyle/>
+          <a:p>
+            <a:endParaRPr lang="de-DE"/>
+          </a:p>
+        </p:txBody>
+      </p:sp>
+      <p:sp>
+        <p:nvSpPr>
+          <p:cNvPr id="3" name="Footer Placeholder 2">
+            <a:extLst>
+              <a:ext uri="{FF2B5EF4-FFF2-40B4-BE49-F238E27FC236}">
+                <a16:creationId xmlns:a16="http://schemas.microsoft.com/office/drawing/2014/main" id="{3DCC4D2F-23E0-C8EB-3876-84878E10876D}"/>
+              </a:ext>
+            </a:extLst>
+          </p:cNvPr>
+          <p:cNvSpPr>
+            <a:spLocks noGrp="1"/>
+          </p:cNvSpPr>
+          <p:nvPr>
+            <p:ph type="ftr" sz="quarter" idx="11"/>
+          </p:nvPr>
+        </p:nvSpPr>
+        <p:spPr/>
+        <p:txBody>
+          <a:bodyPr/>
+          <a:lstStyle/>
+          <a:p>
+            <a:r>
+              <a:rPr lang="en-US"/>
+              <a:t>Elliot Kovanda – Data Scientist</a:t>
+            </a:r>
+            <a:endParaRPr lang="en-US" dirty="0"/>
+          </a:p>
+        </p:txBody>
+      </p:sp>
+      <p:sp>
+        <p:nvSpPr>
+          <p:cNvPr id="4" name="Text Placeholder 3">
+            <a:extLst>
+              <a:ext uri="{FF2B5EF4-FFF2-40B4-BE49-F238E27FC236}">
+                <a16:creationId xmlns:a16="http://schemas.microsoft.com/office/drawing/2014/main" id="{4207A3C1-9CCE-1EDD-8F82-49FC2CEF747E}"/>
+              </a:ext>
+            </a:extLst>
+          </p:cNvPr>
+          <p:cNvSpPr>
+            <a:spLocks noGrp="1"/>
+          </p:cNvSpPr>
+          <p:nvPr>
+            <p:ph type="body" sz="quarter" idx="12"/>
+          </p:nvPr>
+        </p:nvSpPr>
+        <p:spPr/>
+        <p:txBody>
+          <a:bodyPr/>
+          <a:lstStyle/>
+          <a:p>
+            <a:endParaRPr lang="de-DE" dirty="0"/>
+          </a:p>
+        </p:txBody>
+      </p:sp>
+      <p:pic>
+        <p:nvPicPr>
+          <p:cNvPr id="7" name="Picture 6">
+            <a:extLst>
+              <a:ext uri="{FF2B5EF4-FFF2-40B4-BE49-F238E27FC236}">
+                <a16:creationId xmlns:a16="http://schemas.microsoft.com/office/drawing/2014/main" id="{1A34E531-C05D-0357-77B7-3C6A1F3F4C7E}"/>
+              </a:ext>
+            </a:extLst>
+          </p:cNvPr>
+          <p:cNvPicPr>
+            <a:picLocks noChangeAspect="1"/>
+          </p:cNvPicPr>
+          <p:nvPr/>
+        </p:nvPicPr>
+        <p:blipFill>
+          <a:blip r:embed="rId2"/>
+          <a:srcRect t="61590" b="21106"/>
+          <a:stretch/>
+        </p:blipFill>
+        <p:spPr>
+          <a:xfrm>
+            <a:off x="1460585" y="1682086"/>
+            <a:ext cx="9562927" cy="3677299"/>
+          </a:xfrm>
+          <a:prstGeom prst="rect">
+            <a:avLst/>
+          </a:prstGeom>
+        </p:spPr>
+      </p:pic>
+    </p:spTree>
+    <p:extLst>
+      <p:ext uri="{BB962C8B-B14F-4D97-AF65-F5344CB8AC3E}">
+        <p14:creationId xmlns:p14="http://schemas.microsoft.com/office/powerpoint/2010/main" val="4115580774"/>
+      </p:ext>
+    </p:extLst>
+  </p:cSld>
+  <p:clrMapOvr>
+    <a:masterClrMapping/>
+  </p:clrMapOvr>
+</p:sld>
+</file>
+
+<file path=ppt/slides/slide23.xml><?xml version="1.0" encoding="utf-8"?>
+<p:sld xmlns:a="http://schemas.openxmlformats.org/drawingml/2006/main" xmlns:r="http://schemas.openxmlformats.org/officeDocument/2006/relationships" xmlns:p="http://schemas.openxmlformats.org/presentationml/2006/main">
+  <p:cSld>
+    <p:spTree>
+      <p:nvGrpSpPr>
+        <p:cNvPr id="1" name=""/>
+        <p:cNvGrpSpPr/>
+        <p:nvPr/>
+      </p:nvGrpSpPr>
+      <p:grpSpPr>
+        <a:xfrm>
+          <a:off x="0" y="0"/>
+          <a:ext cx="0" cy="0"/>
+          <a:chOff x="0" y="0"/>
+          <a:chExt cx="0" cy="0"/>
+        </a:xfrm>
+      </p:grpSpPr>
+      <p:sp>
+        <p:nvSpPr>
+          <p:cNvPr id="3" name="Footer Placeholder 2">
+            <a:extLst>
+              <a:ext uri="{FF2B5EF4-FFF2-40B4-BE49-F238E27FC236}">
+                <a16:creationId xmlns:a16="http://schemas.microsoft.com/office/drawing/2014/main" id="{DE279865-6C50-4671-F1A5-075D24E19D85}"/>
+              </a:ext>
+            </a:extLst>
+          </p:cNvPr>
+          <p:cNvSpPr>
+            <a:spLocks noGrp="1"/>
+          </p:cNvSpPr>
+          <p:nvPr>
+            <p:ph type="ftr" sz="quarter" idx="11"/>
+          </p:nvPr>
+        </p:nvSpPr>
+        <p:spPr/>
+        <p:txBody>
+          <a:bodyPr/>
+          <a:lstStyle/>
+          <a:p>
+            <a:r>
+              <a:rPr lang="en-US"/>
+              <a:t>Elliot Kovanda – Data Scientist</a:t>
+            </a:r>
+            <a:endParaRPr lang="en-US" dirty="0"/>
+          </a:p>
+        </p:txBody>
+      </p:sp>
+      <p:sp>
+        <p:nvSpPr>
+          <p:cNvPr id="5" name="Rectangle 4">
+            <a:extLst>
+              <a:ext uri="{FF2B5EF4-FFF2-40B4-BE49-F238E27FC236}">
+                <a16:creationId xmlns:a16="http://schemas.microsoft.com/office/drawing/2014/main" id="{791746C0-464A-B306-EB16-9846FF5FE488}"/>
+              </a:ext>
+            </a:extLst>
+          </p:cNvPr>
+          <p:cNvSpPr/>
+          <p:nvPr/>
+        </p:nvSpPr>
+        <p:spPr>
+          <a:xfrm>
+            <a:off x="2968171" y="1875971"/>
+            <a:ext cx="6255658" cy="3106057"/>
+          </a:xfrm>
+          <a:prstGeom prst="rect">
+            <a:avLst/>
+          </a:prstGeom>
+          <a:ln w="76200">
+            <a:solidFill>
+              <a:schemeClr val="tx1"/>
+            </a:solidFill>
+          </a:ln>
+        </p:spPr>
+        <p:style>
+          <a:lnRef idx="2">
+            <a:schemeClr val="accent1">
+              <a:shade val="15000"/>
+            </a:schemeClr>
+          </a:lnRef>
+          <a:fillRef idx="1">
+            <a:schemeClr val="accent1"/>
+          </a:fillRef>
+          <a:effectRef idx="0">
+            <a:schemeClr val="accent1"/>
+          </a:effectRef>
+          <a:fontRef idx="minor">
+            <a:schemeClr val="lt1"/>
+          </a:fontRef>
+        </p:style>
+        <p:txBody>
+          <a:bodyPr rtlCol="0" anchor="ctr"/>
+          <a:lstStyle/>
+          <a:p>
+            <a:pPr algn="ctr"/>
+            <a:r>
+              <a:rPr lang="de-DE" sz="4400" b="1" dirty="0" err="1"/>
+              <a:t>Active</a:t>
+            </a:r>
+            <a:r>
+              <a:rPr lang="de-DE" sz="4400" b="1" dirty="0"/>
+              <a:t> Practice </a:t>
+            </a:r>
+            <a:r>
+              <a:rPr lang="de-DE" sz="4400" b="1" dirty="0" err="1"/>
+              <a:t>is</a:t>
+            </a:r>
+            <a:r>
+              <a:rPr lang="de-DE" sz="4400" b="1" dirty="0"/>
+              <a:t> Key!</a:t>
+            </a:r>
+          </a:p>
+        </p:txBody>
+      </p:sp>
+    </p:spTree>
+    <p:extLst>
+      <p:ext uri="{BB962C8B-B14F-4D97-AF65-F5344CB8AC3E}">
+        <p14:creationId xmlns:p14="http://schemas.microsoft.com/office/powerpoint/2010/main" val="3572993957"/>
+      </p:ext>
+    </p:extLst>
+  </p:cSld>
+  <p:clrMapOvr>
+    <a:masterClrMapping/>
+  </p:clrMapOvr>
+</p:sld>
+</file>
+
+<file path=ppt/slides/slide24.xml><?xml version="1.0" encoding="utf-8"?>
+<p:sld xmlns:a="http://schemas.openxmlformats.org/drawingml/2006/main" xmlns:r="http://schemas.openxmlformats.org/officeDocument/2006/relationships" xmlns:p="http://schemas.openxmlformats.org/presentationml/2006/main">
+  <p:cSld>
+    <p:spTree>
+      <p:nvGrpSpPr>
+        <p:cNvPr id="1" name="">
+          <a:extLst>
+            <a:ext uri="{FF2B5EF4-FFF2-40B4-BE49-F238E27FC236}">
+              <a16:creationId xmlns:a16="http://schemas.microsoft.com/office/drawing/2014/main" id="{FB7DC109-9171-C542-71FC-95B1C6E34BF9}"/>
+            </a:ext>
+          </a:extLst>
+        </p:cNvPr>
+        <p:cNvGrpSpPr/>
+        <p:nvPr/>
+      </p:nvGrpSpPr>
+      <p:grpSpPr>
+        <a:xfrm>
+          <a:off x="0" y="0"/>
+          <a:ext cx="0" cy="0"/>
+          <a:chOff x="0" y="0"/>
+          <a:chExt cx="0" cy="0"/>
+        </a:xfrm>
+      </p:grpSpPr>
+      <p:sp>
+        <p:nvSpPr>
+          <p:cNvPr id="3" name="Footer Placeholder 2">
+            <a:extLst>
+              <a:ext uri="{FF2B5EF4-FFF2-40B4-BE49-F238E27FC236}">
+                <a16:creationId xmlns:a16="http://schemas.microsoft.com/office/drawing/2014/main" id="{C693EB8D-51C2-CEF8-7DAA-AC4C998F478B}"/>
+              </a:ext>
+            </a:extLst>
+          </p:cNvPr>
+          <p:cNvSpPr>
+            <a:spLocks noGrp="1"/>
+          </p:cNvSpPr>
+          <p:nvPr>
+            <p:ph type="ftr" sz="quarter" idx="11"/>
+          </p:nvPr>
+        </p:nvSpPr>
+        <p:spPr/>
+        <p:txBody>
+          <a:bodyPr/>
+          <a:lstStyle/>
+          <a:p>
+            <a:r>
+              <a:rPr lang="en-US"/>
+              <a:t>Elliot Kovanda – Data Scientist</a:t>
+            </a:r>
+            <a:endParaRPr lang="en-US" dirty="0"/>
+          </a:p>
+        </p:txBody>
+      </p:sp>
+      <p:sp>
+        <p:nvSpPr>
+          <p:cNvPr id="5" name="Rectangle 4">
+            <a:extLst>
+              <a:ext uri="{FF2B5EF4-FFF2-40B4-BE49-F238E27FC236}">
+                <a16:creationId xmlns:a16="http://schemas.microsoft.com/office/drawing/2014/main" id="{F87469C5-FE7F-55E0-871B-018522DCE5B7}"/>
+              </a:ext>
+            </a:extLst>
+          </p:cNvPr>
+          <p:cNvSpPr/>
+          <p:nvPr/>
+        </p:nvSpPr>
+        <p:spPr>
+          <a:xfrm>
+            <a:off x="2968171" y="1875971"/>
+            <a:ext cx="6255658" cy="3106057"/>
+          </a:xfrm>
+          <a:prstGeom prst="rect">
+            <a:avLst/>
+          </a:prstGeom>
+          <a:ln w="76200">
+            <a:solidFill>
+              <a:schemeClr val="tx1"/>
+            </a:solidFill>
+          </a:ln>
+        </p:spPr>
+        <p:style>
+          <a:lnRef idx="2">
+            <a:schemeClr val="accent1">
+              <a:shade val="15000"/>
+            </a:schemeClr>
+          </a:lnRef>
+          <a:fillRef idx="1">
+            <a:schemeClr val="accent1"/>
+          </a:fillRef>
+          <a:effectRef idx="0">
+            <a:schemeClr val="accent1"/>
+          </a:effectRef>
+          <a:fontRef idx="minor">
+            <a:schemeClr val="lt1"/>
+          </a:fontRef>
+        </p:style>
+        <p:txBody>
+          <a:bodyPr rtlCol="0" anchor="ctr"/>
+          <a:lstStyle/>
+          <a:p>
+            <a:pPr algn="ctr"/>
+            <a:r>
+              <a:rPr lang="de-DE" sz="4400" b="1" dirty="0" err="1"/>
+              <a:t>Let</a:t>
+            </a:r>
+            <a:r>
+              <a:rPr lang="de-DE" sz="4400" b="1" dirty="0"/>
+              <a:t> Goethe Uni </a:t>
+            </a:r>
+            <a:r>
+              <a:rPr lang="de-DE" sz="4400" b="1" dirty="0" err="1"/>
+              <a:t>know</a:t>
+            </a:r>
+            <a:r>
+              <a:rPr lang="de-DE" sz="4400" b="1" dirty="0"/>
+              <a:t> </a:t>
+            </a:r>
+            <a:r>
+              <a:rPr lang="de-DE" sz="4400" b="1" dirty="0" err="1"/>
+              <a:t>you</a:t>
+            </a:r>
+            <a:r>
+              <a:rPr lang="de-DE" sz="4400" b="1" dirty="0"/>
+              <a:t> </a:t>
+            </a:r>
+            <a:r>
+              <a:rPr lang="de-DE" sz="4400" b="1" dirty="0" err="1"/>
+              <a:t>want</a:t>
+            </a:r>
+            <a:r>
+              <a:rPr lang="de-DE" sz="4400" b="1" dirty="0"/>
+              <a:t> </a:t>
+            </a:r>
+            <a:r>
+              <a:rPr lang="de-DE" sz="4400" b="1" dirty="0" err="1"/>
+              <a:t>more</a:t>
+            </a:r>
+            <a:r>
+              <a:rPr lang="de-DE" sz="4400" b="1" dirty="0"/>
+              <a:t> Python.</a:t>
+            </a:r>
+          </a:p>
+        </p:txBody>
+      </p:sp>
+    </p:spTree>
+    <p:extLst>
+      <p:ext uri="{BB962C8B-B14F-4D97-AF65-F5344CB8AC3E}">
+        <p14:creationId xmlns:p14="http://schemas.microsoft.com/office/powerpoint/2010/main" val="87114236"/>
       </p:ext>
     </p:extLst>
   </p:cSld>
